--- a/mesa.pptx
+++ b/mesa.pptx
@@ -5,10 +5,11 @@
     <p:sldMasterId id="2147483648" r:id="rId1"/>
   </p:sldMasterIdLst>
   <p:handoutMasterIdLst>
-    <p:handoutMasterId r:id="rId3"/>
+    <p:handoutMasterId r:id="rId4"/>
   </p:handoutMasterIdLst>
   <p:sldIdLst>
     <p:sldId id="256" r:id="rId2"/>
+    <p:sldId id="257" r:id="rId3"/>
   </p:sldIdLst>
   <p:sldSz cx="9144000" cy="5143500" type="screen16x9"/>
   <p:notesSz cx="6858000" cy="9144000"/>
@@ -193,7 +194,7 @@
             <a:fld id="{7D943C8A-D8EA-4410-A4B1-538328BEE86D}" type="datetimeFigureOut">
               <a:rPr lang="en-US" smtClean="0"/>
               <a:pPr/>
-              <a:t>11/4/2014</a:t>
+              <a:t>11/5/2014</a:t>
             </a:fld>
             <a:endParaRPr lang="en-US"/>
           </a:p>
@@ -16377,7 +16378,7 @@
             <a:fld id="{AE14CB3E-EF7A-438A-9F48-CAEB98A40F25}" type="datetimeFigureOut">
               <a:rPr lang="en-US" smtClean="0"/>
               <a:pPr/>
-              <a:t>11/4/2014</a:t>
+              <a:t>11/5/2014</a:t>
             </a:fld>
             <a:endParaRPr lang="en-US"/>
           </a:p>
@@ -16554,7 +16555,7 @@
             <a:fld id="{AE14CB3E-EF7A-438A-9F48-CAEB98A40F25}" type="datetimeFigureOut">
               <a:rPr lang="en-US" smtClean="0"/>
               <a:pPr/>
-              <a:t>11/4/2014</a:t>
+              <a:t>11/5/2014</a:t>
             </a:fld>
             <a:endParaRPr lang="en-US"/>
           </a:p>
@@ -16721,7 +16722,7 @@
             <a:fld id="{AE14CB3E-EF7A-438A-9F48-CAEB98A40F25}" type="datetimeFigureOut">
               <a:rPr lang="en-US" smtClean="0"/>
               <a:pPr/>
-              <a:t>11/4/2014</a:t>
+              <a:t>11/5/2014</a:t>
             </a:fld>
             <a:endParaRPr lang="en-US"/>
           </a:p>
@@ -16964,7 +16965,7 @@
             <a:fld id="{AE14CB3E-EF7A-438A-9F48-CAEB98A40F25}" type="datetimeFigureOut">
               <a:rPr lang="en-US" smtClean="0"/>
               <a:pPr/>
-              <a:t>11/4/2014</a:t>
+              <a:t>11/5/2014</a:t>
             </a:fld>
             <a:endParaRPr lang="en-US"/>
           </a:p>
@@ -17249,7 +17250,7 @@
             <a:fld id="{AE14CB3E-EF7A-438A-9F48-CAEB98A40F25}" type="datetimeFigureOut">
               <a:rPr lang="en-US" smtClean="0"/>
               <a:pPr/>
-              <a:t>11/4/2014</a:t>
+              <a:t>11/5/2014</a:t>
             </a:fld>
             <a:endParaRPr lang="en-US"/>
           </a:p>
@@ -17673,7 +17674,7 @@
             <a:fld id="{AE14CB3E-EF7A-438A-9F48-CAEB98A40F25}" type="datetimeFigureOut">
               <a:rPr lang="en-US" smtClean="0"/>
               <a:pPr/>
-              <a:t>11/4/2014</a:t>
+              <a:t>11/5/2014</a:t>
             </a:fld>
             <a:endParaRPr lang="en-US"/>
           </a:p>
@@ -17788,7 +17789,7 @@
             <a:fld id="{AE14CB3E-EF7A-438A-9F48-CAEB98A40F25}" type="datetimeFigureOut">
               <a:rPr lang="en-US" smtClean="0"/>
               <a:pPr/>
-              <a:t>11/4/2014</a:t>
+              <a:t>11/5/2014</a:t>
             </a:fld>
             <a:endParaRPr lang="en-US"/>
           </a:p>
@@ -17880,7 +17881,7 @@
             <a:fld id="{AE14CB3E-EF7A-438A-9F48-CAEB98A40F25}" type="datetimeFigureOut">
               <a:rPr lang="en-US" smtClean="0"/>
               <a:pPr/>
-              <a:t>11/4/2014</a:t>
+              <a:t>11/5/2014</a:t>
             </a:fld>
             <a:endParaRPr lang="en-US"/>
           </a:p>
@@ -18154,7 +18155,7 @@
             <a:fld id="{AE14CB3E-EF7A-438A-9F48-CAEB98A40F25}" type="datetimeFigureOut">
               <a:rPr lang="en-US" smtClean="0"/>
               <a:pPr/>
-              <a:t>11/4/2014</a:t>
+              <a:t>11/5/2014</a:t>
             </a:fld>
             <a:endParaRPr lang="en-US"/>
           </a:p>
@@ -18404,7 +18405,7 @@
             <a:fld id="{AE14CB3E-EF7A-438A-9F48-CAEB98A40F25}" type="datetimeFigureOut">
               <a:rPr lang="en-US" smtClean="0"/>
               <a:pPr/>
-              <a:t>11/4/2014</a:t>
+              <a:t>11/5/2014</a:t>
             </a:fld>
             <a:endParaRPr lang="en-US"/>
           </a:p>
@@ -18614,7 +18615,7 @@
             <a:fld id="{AE14CB3E-EF7A-438A-9F48-CAEB98A40F25}" type="datetimeFigureOut">
               <a:rPr lang="en-US" smtClean="0"/>
               <a:pPr/>
-              <a:t>11/4/2014</a:t>
+              <a:t>11/5/2014</a:t>
             </a:fld>
             <a:endParaRPr lang="en-US"/>
           </a:p>
@@ -19007,6 +19008,14 @@
           <a:prstGeom prst="rect">
             <a:avLst/>
           </a:prstGeom>
+          <a:effectLst>
+            <a:glow rad="63500">
+              <a:schemeClr val="accent2">
+                <a:satMod val="175000"/>
+                <a:alpha val="40000"/>
+              </a:schemeClr>
+            </a:glow>
+          </a:effectLst>
         </p:spPr>
       </p:pic>
       <p:pic>
@@ -20445,6 +20454,853 @@
       </p:par>
     </p:tnLst>
   </p:timing>
+</p:sld>
+</file>
+
+<file path=ppt/slides/slide2.xml><?xml version="1.0" encoding="utf-8"?>
+<p:sld xmlns:a="http://schemas.openxmlformats.org/drawingml/2006/main" xmlns:r="http://schemas.openxmlformats.org/officeDocument/2006/relationships" xmlns:p="http://schemas.openxmlformats.org/presentationml/2006/main">
+  <p:cSld>
+    <p:spTree>
+      <p:nvGrpSpPr>
+        <p:cNvPr id="1" name=""/>
+        <p:cNvGrpSpPr/>
+        <p:nvPr/>
+      </p:nvGrpSpPr>
+      <p:grpSpPr>
+        <a:xfrm>
+          <a:off x="0" y="0"/>
+          <a:ext cx="0" cy="0"/>
+          <a:chOff x="0" y="0"/>
+          <a:chExt cx="0" cy="0"/>
+        </a:xfrm>
+      </p:grpSpPr>
+      <p:pic>
+        <p:nvPicPr>
+          <p:cNvPr id="4" name="1 Imagen" descr="Slime.png"/>
+          <p:cNvPicPr>
+            <a:picLocks noChangeAspect="1"/>
+          </p:cNvPicPr>
+          <p:nvPr/>
+        </p:nvPicPr>
+        <p:blipFill>
+          <a:blip r:embed="rId2" cstate="print">
+            <a:duotone>
+              <a:prstClr val="black"/>
+              <a:schemeClr val="accent2">
+                <a:tint val="45000"/>
+                <a:satMod val="400000"/>
+              </a:schemeClr>
+            </a:duotone>
+          </a:blip>
+          <a:stretch>
+            <a:fillRect/>
+          </a:stretch>
+        </p:blipFill>
+        <p:spPr>
+          <a:xfrm>
+            <a:off x="-230187" y="2517146"/>
+            <a:ext cx="190500" cy="136071"/>
+          </a:xfrm>
+          <a:prstGeom prst="rect">
+            <a:avLst/>
+          </a:prstGeom>
+          <a:effectLst>
+            <a:glow rad="63500">
+              <a:schemeClr val="accent2">
+                <a:satMod val="175000"/>
+                <a:alpha val="40000"/>
+              </a:schemeClr>
+            </a:glow>
+          </a:effectLst>
+        </p:spPr>
+      </p:pic>
+      <p:pic>
+        <p:nvPicPr>
+          <p:cNvPr id="5" name="Picture 2" descr="D:\DATA\RTP\RPGVX\Graphics\Battlers\Bat.png"/>
+          <p:cNvPicPr>
+            <a:picLocks noChangeAspect="1" noChangeArrowheads="1"/>
+          </p:cNvPicPr>
+          <p:nvPr/>
+        </p:nvPicPr>
+        <p:blipFill>
+          <a:blip r:embed="rId3" cstate="print"/>
+          <a:srcRect/>
+          <a:stretch>
+            <a:fillRect/>
+          </a:stretch>
+        </p:blipFill>
+        <p:spPr bwMode="auto">
+          <a:xfrm>
+            <a:off x="150813" y="2412371"/>
+            <a:ext cx="228600" cy="414008"/>
+          </a:xfrm>
+          <a:prstGeom prst="rect">
+            <a:avLst/>
+          </a:prstGeom>
+          <a:noFill/>
+          <a:effectLst>
+            <a:glow rad="63500">
+              <a:schemeClr val="accent2">
+                <a:satMod val="175000"/>
+                <a:alpha val="40000"/>
+              </a:schemeClr>
+            </a:glow>
+          </a:effectLst>
+        </p:spPr>
+      </p:pic>
+      <p:pic>
+        <p:nvPicPr>
+          <p:cNvPr id="6" name="Picture 4" descr="D:\DATA\RTP\RPGVX\Graphics\Battlers\Hornet.png"/>
+          <p:cNvPicPr>
+            <a:picLocks noChangeAspect="1" noChangeArrowheads="1"/>
+          </p:cNvPicPr>
+          <p:nvPr/>
+        </p:nvPicPr>
+        <p:blipFill>
+          <a:blip r:embed="rId4" cstate="print"/>
+          <a:srcRect/>
+          <a:stretch>
+            <a:fillRect/>
+          </a:stretch>
+        </p:blipFill>
+        <p:spPr bwMode="auto">
+          <a:xfrm>
+            <a:off x="465138" y="2402846"/>
+            <a:ext cx="263525" cy="384857"/>
+          </a:xfrm>
+          <a:prstGeom prst="rect">
+            <a:avLst/>
+          </a:prstGeom>
+          <a:noFill/>
+          <a:effectLst>
+            <a:glow rad="63500">
+              <a:schemeClr val="accent2">
+                <a:satMod val="175000"/>
+                <a:alpha val="40000"/>
+              </a:schemeClr>
+            </a:glow>
+          </a:effectLst>
+        </p:spPr>
+      </p:pic>
+      <p:pic>
+        <p:nvPicPr>
+          <p:cNvPr id="7" name="Picture 3" descr="D:\DATA\RTP\RPGVX\Graphics\Battlers\Gayzer.png"/>
+          <p:cNvPicPr>
+            <a:picLocks noChangeAspect="1" noChangeArrowheads="1"/>
+          </p:cNvPicPr>
+          <p:nvPr/>
+        </p:nvPicPr>
+        <p:blipFill>
+          <a:blip r:embed="rId5" cstate="print"/>
+          <a:srcRect/>
+          <a:stretch>
+            <a:fillRect/>
+          </a:stretch>
+        </p:blipFill>
+        <p:spPr bwMode="auto">
+          <a:xfrm flipH="1">
+            <a:off x="2027238" y="2412371"/>
+            <a:ext cx="194229" cy="371475"/>
+          </a:xfrm>
+          <a:prstGeom prst="rect">
+            <a:avLst/>
+          </a:prstGeom>
+          <a:noFill/>
+          <a:effectLst>
+            <a:glow rad="63500">
+              <a:schemeClr val="accent2">
+                <a:satMod val="175000"/>
+                <a:alpha val="40000"/>
+              </a:schemeClr>
+            </a:glow>
+          </a:effectLst>
+        </p:spPr>
+      </p:pic>
+      <p:pic>
+        <p:nvPicPr>
+          <p:cNvPr id="8" name="Picture 5" descr="D:\DATA\RTP\RPGVX\Graphics\Battlers\Rat.png"/>
+          <p:cNvPicPr>
+            <a:picLocks noChangeAspect="1" noChangeArrowheads="1"/>
+          </p:cNvPicPr>
+          <p:nvPr/>
+        </p:nvPicPr>
+        <p:blipFill>
+          <a:blip r:embed="rId6" cstate="print"/>
+          <a:srcRect/>
+          <a:stretch>
+            <a:fillRect/>
+          </a:stretch>
+        </p:blipFill>
+        <p:spPr bwMode="auto">
+          <a:xfrm>
+            <a:off x="1293813" y="2479046"/>
+            <a:ext cx="200365" cy="247961"/>
+          </a:xfrm>
+          <a:prstGeom prst="rect">
+            <a:avLst/>
+          </a:prstGeom>
+          <a:noFill/>
+          <a:effectLst>
+            <a:glow rad="63500">
+              <a:schemeClr val="accent2">
+                <a:satMod val="175000"/>
+                <a:alpha val="40000"/>
+              </a:schemeClr>
+            </a:glow>
+          </a:effectLst>
+        </p:spPr>
+      </p:pic>
+      <p:pic>
+        <p:nvPicPr>
+          <p:cNvPr id="9" name="Picture 6" descr="D:\DATA\RTP\RPGVX\Graphics\Battlers\Spider.png"/>
+          <p:cNvPicPr>
+            <a:picLocks noChangeAspect="1" noChangeArrowheads="1"/>
+          </p:cNvPicPr>
+          <p:nvPr/>
+        </p:nvPicPr>
+        <p:blipFill>
+          <a:blip r:embed="rId7" cstate="print"/>
+          <a:srcRect/>
+          <a:stretch>
+            <a:fillRect/>
+          </a:stretch>
+        </p:blipFill>
+        <p:spPr bwMode="auto">
+          <a:xfrm>
+            <a:off x="1636713" y="2498096"/>
+            <a:ext cx="228600" cy="187981"/>
+          </a:xfrm>
+          <a:prstGeom prst="rect">
+            <a:avLst/>
+          </a:prstGeom>
+          <a:noFill/>
+          <a:effectLst>
+            <a:glow rad="63500">
+              <a:schemeClr val="accent2">
+                <a:satMod val="175000"/>
+                <a:alpha val="40000"/>
+              </a:schemeClr>
+            </a:glow>
+          </a:effectLst>
+        </p:spPr>
+      </p:pic>
+      <p:pic>
+        <p:nvPicPr>
+          <p:cNvPr id="10" name="Picture 7" descr="D:\DATA\RTP\RPGVX\Graphics\Battlers\Snake.png"/>
+          <p:cNvPicPr>
+            <a:picLocks noChangeAspect="1" noChangeArrowheads="1"/>
+          </p:cNvPicPr>
+          <p:nvPr/>
+        </p:nvPicPr>
+        <p:blipFill>
+          <a:blip r:embed="rId8" cstate="print"/>
+          <a:srcRect/>
+          <a:stretch>
+            <a:fillRect/>
+          </a:stretch>
+        </p:blipFill>
+        <p:spPr bwMode="auto">
+          <a:xfrm flipH="1">
+            <a:off x="2408238" y="2421896"/>
+            <a:ext cx="205945" cy="317499"/>
+          </a:xfrm>
+          <a:prstGeom prst="rect">
+            <a:avLst/>
+          </a:prstGeom>
+          <a:noFill/>
+          <a:effectLst>
+            <a:glow rad="63500">
+              <a:schemeClr val="accent2">
+                <a:satMod val="175000"/>
+                <a:alpha val="40000"/>
+              </a:schemeClr>
+            </a:glow>
+          </a:effectLst>
+        </p:spPr>
+      </p:pic>
+      <p:pic>
+        <p:nvPicPr>
+          <p:cNvPr id="11" name="Picture 8" descr="D:\DATA\RTP\RPGVX\Graphics\Battlers\Scorpion.png"/>
+          <p:cNvPicPr>
+            <a:picLocks noChangeAspect="1" noChangeArrowheads="1"/>
+          </p:cNvPicPr>
+          <p:nvPr/>
+        </p:nvPicPr>
+        <p:blipFill>
+          <a:blip r:embed="rId9" cstate="print"/>
+          <a:srcRect/>
+          <a:stretch>
+            <a:fillRect/>
+          </a:stretch>
+        </p:blipFill>
+        <p:spPr bwMode="auto">
+          <a:xfrm>
+            <a:off x="884238" y="2517146"/>
+            <a:ext cx="159522" cy="214144"/>
+          </a:xfrm>
+          <a:prstGeom prst="rect">
+            <a:avLst/>
+          </a:prstGeom>
+          <a:noFill/>
+          <a:effectLst>
+            <a:glow rad="63500">
+              <a:schemeClr val="accent2">
+                <a:satMod val="175000"/>
+                <a:alpha val="40000"/>
+              </a:schemeClr>
+            </a:glow>
+          </a:effectLst>
+        </p:spPr>
+      </p:pic>
+      <p:pic>
+        <p:nvPicPr>
+          <p:cNvPr id="12" name="Picture 9" descr="D:\DATA\RTP\RPGVX\Graphics\Battlers\Behemoth.png"/>
+          <p:cNvPicPr>
+            <a:picLocks noChangeAspect="1" noChangeArrowheads="1"/>
+          </p:cNvPicPr>
+          <p:nvPr/>
+        </p:nvPicPr>
+        <p:blipFill>
+          <a:blip r:embed="rId10" cstate="print"/>
+          <a:srcRect/>
+          <a:stretch>
+            <a:fillRect/>
+          </a:stretch>
+        </p:blipFill>
+        <p:spPr bwMode="auto">
+          <a:xfrm>
+            <a:off x="3141663" y="2469521"/>
+            <a:ext cx="417513" cy="294203"/>
+          </a:xfrm>
+          <a:prstGeom prst="rect">
+            <a:avLst/>
+          </a:prstGeom>
+          <a:noFill/>
+          <a:effectLst>
+            <a:glow rad="63500">
+              <a:schemeClr val="accent2">
+                <a:satMod val="175000"/>
+                <a:alpha val="40000"/>
+              </a:schemeClr>
+            </a:glow>
+          </a:effectLst>
+        </p:spPr>
+      </p:pic>
+      <p:pic>
+        <p:nvPicPr>
+          <p:cNvPr id="13" name="Picture 10" descr="D:\DATA\RTP\RPGVX\Graphics\Battlers\Ghost.png"/>
+          <p:cNvPicPr>
+            <a:picLocks noChangeAspect="1" noChangeArrowheads="1"/>
+          </p:cNvPicPr>
+          <p:nvPr/>
+        </p:nvPicPr>
+        <p:blipFill>
+          <a:blip r:embed="rId11" cstate="print"/>
+          <a:srcRect/>
+          <a:stretch>
+            <a:fillRect/>
+          </a:stretch>
+        </p:blipFill>
+        <p:spPr bwMode="auto">
+          <a:xfrm>
+            <a:off x="3665538" y="2450471"/>
+            <a:ext cx="207177" cy="346075"/>
+          </a:xfrm>
+          <a:prstGeom prst="rect">
+            <a:avLst/>
+          </a:prstGeom>
+          <a:noFill/>
+          <a:effectLst>
+            <a:glow rad="63500">
+              <a:schemeClr val="accent2">
+                <a:satMod val="175000"/>
+                <a:alpha val="40000"/>
+              </a:schemeClr>
+            </a:glow>
+          </a:effectLst>
+        </p:spPr>
+      </p:pic>
+      <p:pic>
+        <p:nvPicPr>
+          <p:cNvPr id="14" name="Picture 11" descr="D:\DATA\RTP\Graphics\Battlers\095-Monster09.png"/>
+          <p:cNvPicPr>
+            <a:picLocks noChangeAspect="1" noChangeArrowheads="1"/>
+          </p:cNvPicPr>
+          <p:nvPr/>
+        </p:nvPicPr>
+        <p:blipFill>
+          <a:blip r:embed="rId12" cstate="print"/>
+          <a:srcRect/>
+          <a:stretch>
+            <a:fillRect/>
+          </a:stretch>
+        </p:blipFill>
+        <p:spPr bwMode="auto">
+          <a:xfrm>
+            <a:off x="4418013" y="2459996"/>
+            <a:ext cx="232107" cy="331788"/>
+          </a:xfrm>
+          <a:prstGeom prst="rect">
+            <a:avLst/>
+          </a:prstGeom>
+          <a:noFill/>
+          <a:effectLst>
+            <a:glow rad="63500">
+              <a:schemeClr val="accent2">
+                <a:satMod val="175000"/>
+                <a:alpha val="40000"/>
+              </a:schemeClr>
+            </a:glow>
+          </a:effectLst>
+        </p:spPr>
+      </p:pic>
+      <p:pic>
+        <p:nvPicPr>
+          <p:cNvPr id="15" name="Picture 12" descr="D:\DATA\RTP\Graphics\Battlers\068-Goblin02.png"/>
+          <p:cNvPicPr>
+            <a:picLocks noChangeAspect="1" noChangeArrowheads="1"/>
+          </p:cNvPicPr>
+          <p:nvPr/>
+        </p:nvPicPr>
+        <p:blipFill>
+          <a:blip r:embed="rId13" cstate="print"/>
+          <a:srcRect/>
+          <a:stretch>
+            <a:fillRect/>
+          </a:stretch>
+        </p:blipFill>
+        <p:spPr bwMode="auto">
+          <a:xfrm>
+            <a:off x="4075113" y="2498096"/>
+            <a:ext cx="158875" cy="236538"/>
+          </a:xfrm>
+          <a:prstGeom prst="rect">
+            <a:avLst/>
+          </a:prstGeom>
+          <a:noFill/>
+          <a:effectLst>
+            <a:glow rad="63500">
+              <a:schemeClr val="accent2">
+                <a:satMod val="175000"/>
+                <a:alpha val="40000"/>
+              </a:schemeClr>
+            </a:glow>
+          </a:effectLst>
+        </p:spPr>
+      </p:pic>
+      <p:pic>
+        <p:nvPicPr>
+          <p:cNvPr id="16" name="Picture 13" descr="D:\DATA\RTP\RPGVX\Graphics\Battlers\Werewolf.png"/>
+          <p:cNvPicPr>
+            <a:picLocks noChangeAspect="1" noChangeArrowheads="1"/>
+          </p:cNvPicPr>
+          <p:nvPr/>
+        </p:nvPicPr>
+        <p:blipFill>
+          <a:blip r:embed="rId14" cstate="print"/>
+          <a:srcRect/>
+          <a:stretch>
+            <a:fillRect/>
+          </a:stretch>
+        </p:blipFill>
+        <p:spPr bwMode="auto">
+          <a:xfrm>
+            <a:off x="4732338" y="2526671"/>
+            <a:ext cx="270258" cy="285750"/>
+          </a:xfrm>
+          <a:prstGeom prst="rect">
+            <a:avLst/>
+          </a:prstGeom>
+          <a:noFill/>
+          <a:effectLst>
+            <a:glow rad="63500">
+              <a:schemeClr val="accent2">
+                <a:satMod val="175000"/>
+                <a:alpha val="40000"/>
+              </a:schemeClr>
+            </a:glow>
+          </a:effectLst>
+        </p:spPr>
+      </p:pic>
+      <p:pic>
+        <p:nvPicPr>
+          <p:cNvPr id="17" name="Picture 14" descr="D:\DATA\RTP\RPGVX\Graphics\Battlers\Orc.png"/>
+          <p:cNvPicPr>
+            <a:picLocks noChangeAspect="1" noChangeArrowheads="1"/>
+          </p:cNvPicPr>
+          <p:nvPr/>
+        </p:nvPicPr>
+        <p:blipFill>
+          <a:blip r:embed="rId15" cstate="print"/>
+          <a:srcRect/>
+          <a:stretch>
+            <a:fillRect/>
+          </a:stretch>
+        </p:blipFill>
+        <p:spPr bwMode="auto">
+          <a:xfrm>
+            <a:off x="5180013" y="2488571"/>
+            <a:ext cx="228600" cy="314277"/>
+          </a:xfrm>
+          <a:prstGeom prst="rect">
+            <a:avLst/>
+          </a:prstGeom>
+          <a:noFill/>
+          <a:effectLst>
+            <a:glow rad="63500">
+              <a:schemeClr val="accent2">
+                <a:satMod val="175000"/>
+                <a:alpha val="40000"/>
+              </a:schemeClr>
+            </a:glow>
+          </a:effectLst>
+        </p:spPr>
+      </p:pic>
+      <p:pic>
+        <p:nvPicPr>
+          <p:cNvPr id="18" name="Picture 15" descr="D:\DATA\RTP\RPGVX\Graphics\Battlers\Chimera.png"/>
+          <p:cNvPicPr>
+            <a:picLocks noChangeAspect="1" noChangeArrowheads="1"/>
+          </p:cNvPicPr>
+          <p:nvPr/>
+        </p:nvPicPr>
+        <p:blipFill>
+          <a:blip r:embed="rId16" cstate="print"/>
+          <a:srcRect/>
+          <a:stretch>
+            <a:fillRect/>
+          </a:stretch>
+        </p:blipFill>
+        <p:spPr bwMode="auto">
+          <a:xfrm>
+            <a:off x="5494338" y="2469521"/>
+            <a:ext cx="304800" cy="351476"/>
+          </a:xfrm>
+          <a:prstGeom prst="rect">
+            <a:avLst/>
+          </a:prstGeom>
+          <a:noFill/>
+          <a:effectLst>
+            <a:glow rad="63500">
+              <a:schemeClr val="accent2">
+                <a:satMod val="175000"/>
+                <a:alpha val="40000"/>
+              </a:schemeClr>
+            </a:glow>
+          </a:effectLst>
+        </p:spPr>
+      </p:pic>
+      <p:pic>
+        <p:nvPicPr>
+          <p:cNvPr id="19" name="Picture 16" descr="D:\DATA\RTP\RPGVX\Graphics\Battlers\Ogre.png"/>
+          <p:cNvPicPr>
+            <a:picLocks noChangeAspect="1" noChangeArrowheads="1"/>
+          </p:cNvPicPr>
+          <p:nvPr/>
+        </p:nvPicPr>
+        <p:blipFill>
+          <a:blip r:embed="rId17" cstate="print"/>
+          <a:srcRect/>
+          <a:stretch>
+            <a:fillRect/>
+          </a:stretch>
+        </p:blipFill>
+        <p:spPr bwMode="auto">
+          <a:xfrm>
+            <a:off x="5922963" y="2412371"/>
+            <a:ext cx="269211" cy="358775"/>
+          </a:xfrm>
+          <a:prstGeom prst="rect">
+            <a:avLst/>
+          </a:prstGeom>
+          <a:noFill/>
+          <a:effectLst>
+            <a:glow rad="63500">
+              <a:schemeClr val="accent2">
+                <a:satMod val="175000"/>
+                <a:alpha val="40000"/>
+              </a:schemeClr>
+            </a:glow>
+          </a:effectLst>
+        </p:spPr>
+      </p:pic>
+      <p:pic>
+        <p:nvPicPr>
+          <p:cNvPr id="20" name="Picture 17" descr="D:\DATA\RTP\Graphics\Battlers\052-Undead02.png"/>
+          <p:cNvPicPr>
+            <a:picLocks noChangeAspect="1" noChangeArrowheads="1"/>
+          </p:cNvPicPr>
+          <p:nvPr/>
+        </p:nvPicPr>
+        <p:blipFill>
+          <a:blip r:embed="rId18" cstate="print"/>
+          <a:srcRect/>
+          <a:stretch>
+            <a:fillRect/>
+          </a:stretch>
+        </p:blipFill>
+        <p:spPr bwMode="auto">
+          <a:xfrm>
+            <a:off x="2874963" y="2421896"/>
+            <a:ext cx="179516" cy="287338"/>
+          </a:xfrm>
+          <a:prstGeom prst="rect">
+            <a:avLst/>
+          </a:prstGeom>
+          <a:noFill/>
+          <a:effectLst>
+            <a:glow rad="63500">
+              <a:schemeClr val="accent2">
+                <a:satMod val="175000"/>
+                <a:alpha val="40000"/>
+              </a:schemeClr>
+            </a:glow>
+          </a:effectLst>
+        </p:spPr>
+      </p:pic>
+      <p:pic>
+        <p:nvPicPr>
+          <p:cNvPr id="21" name="Picture 18" descr="D:\DATA\RTP\Graphics\Battlers\069-Goblin03.png"/>
+          <p:cNvPicPr>
+            <a:picLocks noChangeAspect="1" noChangeArrowheads="1"/>
+          </p:cNvPicPr>
+          <p:nvPr/>
+        </p:nvPicPr>
+        <p:blipFill>
+          <a:blip r:embed="rId19" cstate="print"/>
+          <a:srcRect/>
+          <a:stretch>
+            <a:fillRect/>
+          </a:stretch>
+        </p:blipFill>
+        <p:spPr bwMode="auto">
+          <a:xfrm>
+            <a:off x="7094538" y="2479046"/>
+            <a:ext cx="217661" cy="331788"/>
+          </a:xfrm>
+          <a:prstGeom prst="rect">
+            <a:avLst/>
+          </a:prstGeom>
+          <a:noFill/>
+          <a:effectLst>
+            <a:glow rad="63500">
+              <a:schemeClr val="accent2">
+                <a:satMod val="175000"/>
+                <a:alpha val="40000"/>
+              </a:schemeClr>
+            </a:glow>
+          </a:effectLst>
+        </p:spPr>
+      </p:pic>
+      <p:pic>
+        <p:nvPicPr>
+          <p:cNvPr id="22" name="Picture 19" descr="D:\DATA\RTP\RPGVX\Graphics\Battlers\Lamia.png"/>
+          <p:cNvPicPr>
+            <a:picLocks noChangeAspect="1" noChangeArrowheads="1"/>
+          </p:cNvPicPr>
+          <p:nvPr/>
+        </p:nvPicPr>
+        <p:blipFill>
+          <a:blip r:embed="rId20" cstate="print"/>
+          <a:srcRect/>
+          <a:stretch>
+            <a:fillRect/>
+          </a:stretch>
+        </p:blipFill>
+        <p:spPr bwMode="auto">
+          <a:xfrm>
+            <a:off x="6332538" y="2507621"/>
+            <a:ext cx="217726" cy="240665"/>
+          </a:xfrm>
+          <a:prstGeom prst="rect">
+            <a:avLst/>
+          </a:prstGeom>
+          <a:noFill/>
+          <a:effectLst>
+            <a:glow rad="63500">
+              <a:schemeClr val="accent2">
+                <a:satMod val="175000"/>
+                <a:alpha val="40000"/>
+              </a:schemeClr>
+            </a:glow>
+          </a:effectLst>
+        </p:spPr>
+      </p:pic>
+      <p:pic>
+        <p:nvPicPr>
+          <p:cNvPr id="23" name="Picture 20" descr="D:\DATA\RTP\RPGVX\Graphics\Battlers\Skeleton.png"/>
+          <p:cNvPicPr>
+            <a:picLocks noChangeAspect="1" noChangeArrowheads="1"/>
+          </p:cNvPicPr>
+          <p:nvPr/>
+        </p:nvPicPr>
+        <p:blipFill>
+          <a:blip r:embed="rId21" cstate="print"/>
+          <a:srcRect/>
+          <a:stretch>
+            <a:fillRect/>
+          </a:stretch>
+        </p:blipFill>
+        <p:spPr bwMode="auto">
+          <a:xfrm>
+            <a:off x="6713538" y="2488571"/>
+            <a:ext cx="214599" cy="285750"/>
+          </a:xfrm>
+          <a:prstGeom prst="rect">
+            <a:avLst/>
+          </a:prstGeom>
+          <a:noFill/>
+          <a:effectLst>
+            <a:glow rad="63500">
+              <a:schemeClr val="accent2">
+                <a:satMod val="175000"/>
+                <a:alpha val="40000"/>
+              </a:schemeClr>
+            </a:glow>
+          </a:effectLst>
+        </p:spPr>
+      </p:pic>
+      <p:pic>
+        <p:nvPicPr>
+          <p:cNvPr id="24" name="Picture 21" descr="D:\DATA\RTP\RPGVX\Graphics\Battlers\Firespirit.png"/>
+          <p:cNvPicPr>
+            <a:picLocks noChangeAspect="1" noChangeArrowheads="1"/>
+          </p:cNvPicPr>
+          <p:nvPr/>
+        </p:nvPicPr>
+        <p:blipFill>
+          <a:blip r:embed="rId22" cstate="print"/>
+          <a:srcRect/>
+          <a:stretch>
+            <a:fillRect/>
+          </a:stretch>
+        </p:blipFill>
+        <p:spPr bwMode="auto">
+          <a:xfrm>
+            <a:off x="7437438" y="2469521"/>
+            <a:ext cx="310908" cy="342900"/>
+          </a:xfrm>
+          <a:prstGeom prst="rect">
+            <a:avLst/>
+          </a:prstGeom>
+          <a:noFill/>
+          <a:effectLst>
+            <a:glow rad="63500">
+              <a:schemeClr val="accent2">
+                <a:satMod val="175000"/>
+                <a:alpha val="40000"/>
+              </a:schemeClr>
+            </a:glow>
+          </a:effectLst>
+        </p:spPr>
+      </p:pic>
+      <p:pic>
+        <p:nvPicPr>
+          <p:cNvPr id="25" name="Picture 22" descr="D:\DATA\RTP\RPGVX\Graphics\Battlers\Darklord.png"/>
+          <p:cNvPicPr>
+            <a:picLocks noChangeAspect="1" noChangeArrowheads="1"/>
+          </p:cNvPicPr>
+          <p:nvPr/>
+        </p:nvPicPr>
+        <p:blipFill>
+          <a:blip r:embed="rId23" cstate="print"/>
+          <a:srcRect/>
+          <a:stretch>
+            <a:fillRect/>
+          </a:stretch>
+        </p:blipFill>
+        <p:spPr bwMode="auto">
+          <a:xfrm>
+            <a:off x="7837488" y="2431421"/>
+            <a:ext cx="268795" cy="365084"/>
+          </a:xfrm>
+          <a:prstGeom prst="rect">
+            <a:avLst/>
+          </a:prstGeom>
+          <a:noFill/>
+          <a:effectLst>
+            <a:glow rad="63500">
+              <a:schemeClr val="accent2">
+                <a:satMod val="175000"/>
+                <a:alpha val="40000"/>
+              </a:schemeClr>
+            </a:glow>
+          </a:effectLst>
+        </p:spPr>
+      </p:pic>
+      <p:pic>
+        <p:nvPicPr>
+          <p:cNvPr id="26" name="Picture 23" descr="D:\DATA\RTP\RPGVX\Graphics\Battlers\Asura.png"/>
+          <p:cNvPicPr>
+            <a:picLocks noChangeAspect="1" noChangeArrowheads="1"/>
+          </p:cNvPicPr>
+          <p:nvPr/>
+        </p:nvPicPr>
+        <p:blipFill>
+          <a:blip r:embed="rId24" cstate="print"/>
+          <a:srcRect/>
+          <a:stretch>
+            <a:fillRect/>
+          </a:stretch>
+        </p:blipFill>
+        <p:spPr bwMode="auto">
+          <a:xfrm>
+            <a:off x="8161338" y="2317121"/>
+            <a:ext cx="533400" cy="506647"/>
+          </a:xfrm>
+          <a:prstGeom prst="rect">
+            <a:avLst/>
+          </a:prstGeom>
+          <a:noFill/>
+          <a:effectLst>
+            <a:glow rad="63500">
+              <a:schemeClr val="accent2">
+                <a:satMod val="175000"/>
+                <a:alpha val="40000"/>
+              </a:schemeClr>
+            </a:glow>
+          </a:effectLst>
+        </p:spPr>
+      </p:pic>
+      <p:pic>
+        <p:nvPicPr>
+          <p:cNvPr id="27" name="Picture 24" descr="D:\DATA\RTP\RPGVX\Graphics\Battlers\Evilking.png"/>
+          <p:cNvPicPr>
+            <a:picLocks noChangeAspect="1" noChangeArrowheads="1"/>
+          </p:cNvPicPr>
+          <p:nvPr/>
+        </p:nvPicPr>
+        <p:blipFill>
+          <a:blip r:embed="rId25" cstate="print"/>
+          <a:srcRect/>
+          <a:stretch>
+            <a:fillRect/>
+          </a:stretch>
+        </p:blipFill>
+        <p:spPr bwMode="auto">
+          <a:xfrm>
+            <a:off x="8809038" y="2393321"/>
+            <a:ext cx="565150" cy="399398"/>
+          </a:xfrm>
+          <a:prstGeom prst="rect">
+            <a:avLst/>
+          </a:prstGeom>
+          <a:noFill/>
+          <a:effectLst>
+            <a:glow rad="63500">
+              <a:schemeClr val="accent2">
+                <a:satMod val="175000"/>
+                <a:alpha val="40000"/>
+              </a:schemeClr>
+            </a:glow>
+          </a:effectLst>
+        </p:spPr>
+      </p:pic>
+    </p:spTree>
+  </p:cSld>
+  <p:clrMapOvr>
+    <a:masterClrMapping/>
+  </p:clrMapOvr>
 </p:sld>
 </file>
 
